--- a/InfoSec/PPTs/L9-CH08-Intrusion Detection.pptx
+++ b/InfoSec/PPTs/L9-CH08-Intrusion Detection.pptx
@@ -3846,7 +3846,7 @@
             <a:fld id="{999DDEF9-8F79-3F4A-8C1A-CB2E900DCD92}" type="datetimeFigureOut">
               <a:rPr lang="en-US" smtClean="0"/>
               <a:pPr/>
-              <a:t>4/20/2020</a:t>
+              <a:t>5/21/2020</a:t>
             </a:fld>
             <a:endParaRPr lang="en-US"/>
           </a:p>
@@ -22383,7 +22383,7 @@
           <a:p>
             <a:r>
               <a:rPr lang="en-US" dirty="0"/>
-              <a:t>System calls are the means by which programs access core kernel functions</a:t>
+              <a:t>System calls are the means by which user programs access core kernel functions</a:t>
             </a:r>
           </a:p>
           <a:p>
@@ -27427,8 +27427,8 @@
         </p:nvSpPr>
         <p:spPr bwMode="auto">
           <a:xfrm>
-            <a:off x="4572000" y="4475514"/>
-            <a:ext cx="4532923" cy="2273013"/>
+            <a:off x="4499992" y="4475514"/>
+            <a:ext cx="4604931" cy="2312407"/>
           </a:xfrm>
           <a:prstGeom prst="rect">
             <a:avLst/>
@@ -27625,8 +27625,24 @@
               <a:buNone/>
             </a:pPr>
             <a:r>
-              <a:rPr lang="en-US" altLang="zh-CN" sz="1800" kern="0"/>
-              <a:t>Example: alert tcp any any -&gt; 192.168.1.0/24 (content: “mail from: root”; msg: “root user attempts to send an email”)</a:t>
+              <a:rPr lang="en-US" altLang="zh-CN" sz="1800" kern="0" dirty="0"/>
+              <a:t>Example: alert </a:t>
+            </a:r>
+            <a:r>
+              <a:rPr lang="en-US" altLang="zh-CN" sz="1800" kern="0" dirty="0" err="1"/>
+              <a:t>tcp</a:t>
+            </a:r>
+            <a:r>
+              <a:rPr lang="en-US" altLang="zh-CN" sz="1800" kern="0" dirty="0"/>
+              <a:t> any </a:t>
+            </a:r>
+            <a:r>
+              <a:rPr lang="en-US" altLang="zh-CN" sz="1800" kern="0" dirty="0" err="1"/>
+              <a:t>any</a:t>
+            </a:r>
+            <a:r>
+              <a:rPr lang="en-US" altLang="zh-CN" sz="1800" kern="0" dirty="0"/>
+              <a:t> -&gt; 192.168.1.0/24 (content: “mail from: root”; msg: “root user attempts to send an email”)</a:t>
             </a:r>
           </a:p>
           <a:p>
@@ -27635,7 +27651,7 @@
               <a:buNone/>
             </a:pPr>
             <a:r>
-              <a:rPr lang="en-US" altLang="zh-CN" sz="1800" kern="0"/>
+              <a:rPr lang="en-US" altLang="zh-CN" sz="1800" kern="0" dirty="0"/>
               <a:t>This rule monitors TCP traffic on any host on the /24 subnet, and sends an alert if a mail from root is detected)</a:t>
             </a:r>
           </a:p>
@@ -27645,8 +27661,16 @@
               <a:buNone/>
             </a:pPr>
             <a:r>
-              <a:rPr lang="en-US" altLang="zh-CN" sz="1800" kern="0"/>
-              <a:t> /24 means that the first 24 bits of the IP address denotes the subnet with mask of 255.255.255.0 , so the subnet address is 192.168.1; the last part is the host address (1-254).</a:t>
+              <a:rPr lang="en-US" altLang="zh-CN" sz="1800" kern="0" dirty="0"/>
+              <a:t> /24 means that the first 24 bits of the IP address denotes the subnet with mask of 255.255.255.0 , so the subnet address is 192.168.1; the last part is the host address (1-254). (255 is the broadcast </a:t>
+            </a:r>
+            <a:r>
+              <a:rPr lang="en-US" altLang="zh-CN" sz="1800" kern="0" dirty="0" err="1"/>
+              <a:t>addr</a:t>
+            </a:r>
+            <a:r>
+              <a:rPr lang="en-US" altLang="zh-CN" sz="1800" kern="0" dirty="0"/>
+              <a:t>.)</a:t>
             </a:r>
             <a:endParaRPr lang="zh-CN" altLang="en-US" sz="1800" kern="0" dirty="0"/>
           </a:p>

--- a/InfoSec/PPTs/L9-CH08-Intrusion Detection.pptx
+++ b/InfoSec/PPTs/L9-CH08-Intrusion Detection.pptx
@@ -1727,6 +1727,13 @@
         </dgm:presLayoutVars>
       </dgm:prSet>
       <dgm:spPr/>
+      <dgm:t>
+        <a:bodyPr/>
+        <a:lstStyle/>
+        <a:p>
+          <a:endParaRPr lang="en-US"/>
+        </a:p>
+      </dgm:t>
     </dgm:pt>
     <dgm:pt modelId="{5F3A542B-13A1-F249-88B0-F7F72CB09AAE}" type="pres">
       <dgm:prSet presAssocID="{499D0E72-F52F-E44A-82AF-0BA2F47D3458}" presName="parentLin" presStyleCnt="0"/>
@@ -1735,6 +1742,13 @@
     <dgm:pt modelId="{44D4E4A3-6762-434A-8474-8A32967FE1C9}" type="pres">
       <dgm:prSet presAssocID="{499D0E72-F52F-E44A-82AF-0BA2F47D3458}" presName="parentLeftMargin" presStyleLbl="node1" presStyleIdx="0" presStyleCnt="3"/>
       <dgm:spPr/>
+      <dgm:t>
+        <a:bodyPr/>
+        <a:lstStyle/>
+        <a:p>
+          <a:endParaRPr lang="en-US"/>
+        </a:p>
+      </dgm:t>
     </dgm:pt>
     <dgm:pt modelId="{1D279D11-A7BC-4345-8179-DF5F6025BAEB}" type="pres">
       <dgm:prSet presAssocID="{499D0E72-F52F-E44A-82AF-0BA2F47D3458}" presName="parentText" presStyleLbl="node1" presStyleIdx="0" presStyleCnt="3">
@@ -1744,6 +1758,13 @@
         </dgm:presLayoutVars>
       </dgm:prSet>
       <dgm:spPr/>
+      <dgm:t>
+        <a:bodyPr/>
+        <a:lstStyle/>
+        <a:p>
+          <a:endParaRPr lang="en-US"/>
+        </a:p>
+      </dgm:t>
     </dgm:pt>
     <dgm:pt modelId="{BEB1AA60-DA9E-714F-9A3E-ABD60D6545B1}" type="pres">
       <dgm:prSet presAssocID="{499D0E72-F52F-E44A-82AF-0BA2F47D3458}" presName="negativeSpace" presStyleCnt="0"/>
@@ -1756,6 +1777,13 @@
         </dgm:presLayoutVars>
       </dgm:prSet>
       <dgm:spPr/>
+      <dgm:t>
+        <a:bodyPr/>
+        <a:lstStyle/>
+        <a:p>
+          <a:endParaRPr lang="en-US"/>
+        </a:p>
+      </dgm:t>
     </dgm:pt>
     <dgm:pt modelId="{A41605C6-DEBD-484D-9089-6416B2ACF5EB}" type="pres">
       <dgm:prSet presAssocID="{F2E6C5EF-F80A-7040-B03B-61D831F4D37D}" presName="spaceBetweenRectangles" presStyleCnt="0"/>
@@ -1768,6 +1796,13 @@
     <dgm:pt modelId="{E8CFF892-45D5-B347-B71C-40A2C1FCB694}" type="pres">
       <dgm:prSet presAssocID="{CD598BF4-6E3C-9440-9C11-CDBA5E5DFA6B}" presName="parentLeftMargin" presStyleLbl="node1" presStyleIdx="0" presStyleCnt="3"/>
       <dgm:spPr/>
+      <dgm:t>
+        <a:bodyPr/>
+        <a:lstStyle/>
+        <a:p>
+          <a:endParaRPr lang="en-US"/>
+        </a:p>
+      </dgm:t>
     </dgm:pt>
     <dgm:pt modelId="{50C9228A-BEF3-6740-9918-C3F1B67D0F2B}" type="pres">
       <dgm:prSet presAssocID="{CD598BF4-6E3C-9440-9C11-CDBA5E5DFA6B}" presName="parentText" presStyleLbl="node1" presStyleIdx="1" presStyleCnt="3">
@@ -1777,6 +1812,13 @@
         </dgm:presLayoutVars>
       </dgm:prSet>
       <dgm:spPr/>
+      <dgm:t>
+        <a:bodyPr/>
+        <a:lstStyle/>
+        <a:p>
+          <a:endParaRPr lang="en-US"/>
+        </a:p>
+      </dgm:t>
     </dgm:pt>
     <dgm:pt modelId="{3BE644A4-F25C-5E49-B8CC-274056C428AD}" type="pres">
       <dgm:prSet presAssocID="{CD598BF4-6E3C-9440-9C11-CDBA5E5DFA6B}" presName="negativeSpace" presStyleCnt="0"/>
@@ -1789,6 +1831,13 @@
         </dgm:presLayoutVars>
       </dgm:prSet>
       <dgm:spPr/>
+      <dgm:t>
+        <a:bodyPr/>
+        <a:lstStyle/>
+        <a:p>
+          <a:endParaRPr lang="en-US"/>
+        </a:p>
+      </dgm:t>
     </dgm:pt>
     <dgm:pt modelId="{BB29F6D4-3535-F54D-AE2E-46E0F4FA3719}" type="pres">
       <dgm:prSet presAssocID="{985B58B5-FCAC-C04E-9C52-66C3042B7606}" presName="spaceBetweenRectangles" presStyleCnt="0"/>
@@ -1801,6 +1850,13 @@
     <dgm:pt modelId="{F7D91141-858B-7547-844B-25488CC49E9E}" type="pres">
       <dgm:prSet presAssocID="{99A4E792-5671-174F-8348-0587008ED7B4}" presName="parentLeftMargin" presStyleLbl="node1" presStyleIdx="1" presStyleCnt="3"/>
       <dgm:spPr/>
+      <dgm:t>
+        <a:bodyPr/>
+        <a:lstStyle/>
+        <a:p>
+          <a:endParaRPr lang="en-US"/>
+        </a:p>
+      </dgm:t>
     </dgm:pt>
     <dgm:pt modelId="{96383F0D-BD30-014C-B6FE-AE96BD009901}" type="pres">
       <dgm:prSet presAssocID="{99A4E792-5671-174F-8348-0587008ED7B4}" presName="parentText" presStyleLbl="node1" presStyleIdx="2" presStyleCnt="3">
@@ -1810,6 +1866,13 @@
         </dgm:presLayoutVars>
       </dgm:prSet>
       <dgm:spPr/>
+      <dgm:t>
+        <a:bodyPr/>
+        <a:lstStyle/>
+        <a:p>
+          <a:endParaRPr lang="en-US"/>
+        </a:p>
+      </dgm:t>
     </dgm:pt>
     <dgm:pt modelId="{59BBBC2A-FA12-B740-82FE-1949FAD1EA78}" type="pres">
       <dgm:prSet presAssocID="{99A4E792-5671-174F-8348-0587008ED7B4}" presName="negativeSpace" presStyleCnt="0"/>
@@ -1822,31 +1885,38 @@
         </dgm:presLayoutVars>
       </dgm:prSet>
       <dgm:spPr/>
+      <dgm:t>
+        <a:bodyPr/>
+        <a:lstStyle/>
+        <a:p>
+          <a:endParaRPr lang="en-US"/>
+        </a:p>
+      </dgm:t>
     </dgm:pt>
   </dgm:ptLst>
   <dgm:cxnLst>
+    <dgm:cxn modelId="{32310B90-03A3-D14B-B46D-B5969894FE5B}" srcId="{8FCE45D2-F0A9-1A4B-BF8B-945174DCE716}" destId="{499D0E72-F52F-E44A-82AF-0BA2F47D3458}" srcOrd="0" destOrd="0" parTransId="{C862FBD1-CAC5-6E45-A386-F41BE81282D2}" sibTransId="{F2E6C5EF-F80A-7040-B03B-61D831F4D37D}"/>
+    <dgm:cxn modelId="{82E37DEB-E9D4-604E-AA30-78DEC72E04D4}" type="presOf" srcId="{CD598BF4-6E3C-9440-9C11-CDBA5E5DFA6B}" destId="{50C9228A-BEF3-6740-9918-C3F1B67D0F2B}" srcOrd="1" destOrd="0" presId="urn:microsoft.com/office/officeart/2005/8/layout/list1"/>
+    <dgm:cxn modelId="{C2209490-0DAB-9D45-A82F-94788CFECC9F}" type="presOf" srcId="{51D76542-12CA-974A-94C4-9371789A0738}" destId="{3B6C441B-4B2B-5240-BB2D-310A3397BF9F}" srcOrd="0" destOrd="1" presId="urn:microsoft.com/office/officeart/2005/8/layout/list1"/>
+    <dgm:cxn modelId="{817647E3-FAE2-2C46-BA03-4C3DF2B7BF83}" srcId="{99A4E792-5671-174F-8348-0587008ED7B4}" destId="{51D76542-12CA-974A-94C4-9371789A0738}" srcOrd="1" destOrd="0" parTransId="{9EA0AF8D-BAEE-4F49-8034-2F370642E55F}" sibTransId="{4E0746A0-2CD4-0A4C-96A3-3A44DBAE7386}"/>
+    <dgm:cxn modelId="{E013F13E-F6FA-E74A-B393-D94A50432BC2}" type="presOf" srcId="{499D0E72-F52F-E44A-82AF-0BA2F47D3458}" destId="{1D279D11-A7BC-4345-8179-DF5F6025BAEB}" srcOrd="1" destOrd="0" presId="urn:microsoft.com/office/officeart/2005/8/layout/list1"/>
+    <dgm:cxn modelId="{DDE99B77-9B5B-9545-B630-668F9F47A08F}" type="presOf" srcId="{99A4E792-5671-174F-8348-0587008ED7B4}" destId="{F7D91141-858B-7547-844B-25488CC49E9E}" srcOrd="0" destOrd="0" presId="urn:microsoft.com/office/officeart/2005/8/layout/list1"/>
+    <dgm:cxn modelId="{7578229C-6986-844E-9ACE-3C83D771E6FA}" srcId="{CD598BF4-6E3C-9440-9C11-CDBA5E5DFA6B}" destId="{BDD7BB8E-13FD-3644-878D-6E18CF5401C0}" srcOrd="0" destOrd="0" parTransId="{516D02FF-C824-F54E-A458-BAF038684CFE}" sibTransId="{EECB9C93-8BF5-874B-B58A-FCD1835A595D}"/>
     <dgm:cxn modelId="{0625230D-51E1-E148-B0F1-884D913B4CEA}" srcId="{499D0E72-F52F-E44A-82AF-0BA2F47D3458}" destId="{C16AAED6-CCDA-5A4A-9061-1D2B215B50C5}" srcOrd="0" destOrd="0" parTransId="{D555FA89-D0A6-5A4D-A568-F1C26D871573}" sibTransId="{587F9493-DE03-5142-8120-368EADCBF19E}"/>
+    <dgm:cxn modelId="{4BD62823-FE57-3A4D-8A4D-C6CADE6EA596}" type="presOf" srcId="{8FCE45D2-F0A9-1A4B-BF8B-945174DCE716}" destId="{5E9976D1-A195-7E41-95A3-1D16782861E1}" srcOrd="0" destOrd="0" presId="urn:microsoft.com/office/officeart/2005/8/layout/list1"/>
+    <dgm:cxn modelId="{73A6B435-2A95-1144-B45B-46C3899B37B9}" type="presOf" srcId="{BDD7BB8E-13FD-3644-878D-6E18CF5401C0}" destId="{753FC51C-FA6F-AD46-90DB-464A32436AD6}" srcOrd="0" destOrd="0" presId="urn:microsoft.com/office/officeart/2005/8/layout/list1"/>
+    <dgm:cxn modelId="{0FA98F8D-B347-1A44-B470-D88DB2FD114F}" type="presOf" srcId="{B9240FE0-120A-5243-9CCA-9AEA35445369}" destId="{3B6C441B-4B2B-5240-BB2D-310A3397BF9F}" srcOrd="0" destOrd="0" presId="urn:microsoft.com/office/officeart/2005/8/layout/list1"/>
+    <dgm:cxn modelId="{C7E779A3-FCAB-5E4E-A2D6-9F5A506F431E}" srcId="{8FCE45D2-F0A9-1A4B-BF8B-945174DCE716}" destId="{CD598BF4-6E3C-9440-9C11-CDBA5E5DFA6B}" srcOrd="1" destOrd="0" parTransId="{47565AA5-9F84-8C41-AEA9-25E84E0E140D}" sibTransId="{985B58B5-FCAC-C04E-9C52-66C3042B7606}"/>
+    <dgm:cxn modelId="{34BA3CF2-7460-6E4E-9543-22C42D6363F7}" srcId="{499D0E72-F52F-E44A-82AF-0BA2F47D3458}" destId="{F530450E-A2AA-AB49-AFC3-FF0D8596A616}" srcOrd="1" destOrd="0" parTransId="{AF707E42-5DB2-494E-8196-550B027470BF}" sibTransId="{8E1CAB0D-7D41-0A48-9F90-88756C1C300D}"/>
+    <dgm:cxn modelId="{5C0E6871-C859-B243-B405-A915A076F470}" type="presOf" srcId="{499D0E72-F52F-E44A-82AF-0BA2F47D3458}" destId="{44D4E4A3-6762-434A-8474-8A32967FE1C9}" srcOrd="0" destOrd="0" presId="urn:microsoft.com/office/officeart/2005/8/layout/list1"/>
+    <dgm:cxn modelId="{13EF6590-C422-684F-87A9-87A49E537739}" type="presOf" srcId="{F530450E-A2AA-AB49-AFC3-FF0D8596A616}" destId="{1A2F9A87-1F16-4445-881A-B77AD42E9FE0}" srcOrd="0" destOrd="1" presId="urn:microsoft.com/office/officeart/2005/8/layout/list1"/>
+    <dgm:cxn modelId="{87D59F67-1841-D545-B8AB-A8CC3348E592}" type="presOf" srcId="{99A4E792-5671-174F-8348-0587008ED7B4}" destId="{96383F0D-BD30-014C-B6FE-AE96BD009901}" srcOrd="1" destOrd="0" presId="urn:microsoft.com/office/officeart/2005/8/layout/list1"/>
+    <dgm:cxn modelId="{1276F233-D347-B342-9B31-3D7B14EA7307}" srcId="{99A4E792-5671-174F-8348-0587008ED7B4}" destId="{B9240FE0-120A-5243-9CCA-9AEA35445369}" srcOrd="0" destOrd="0" parTransId="{E19B4119-9F10-944D-A883-8B196A5404FA}" sibTransId="{6173F41C-26D5-3D48-8C70-AF925B8E27D9}"/>
     <dgm:cxn modelId="{D7746D0D-0E87-4548-B0D9-8E8EB189E661}" type="presOf" srcId="{D9CDF1C7-C2CA-CD41-93B6-607D6D780C46}" destId="{753FC51C-FA6F-AD46-90DB-464A32436AD6}" srcOrd="0" destOrd="1" presId="urn:microsoft.com/office/officeart/2005/8/layout/list1"/>
-    <dgm:cxn modelId="{4BD62823-FE57-3A4D-8A4D-C6CADE6EA596}" type="presOf" srcId="{8FCE45D2-F0A9-1A4B-BF8B-945174DCE716}" destId="{5E9976D1-A195-7E41-95A3-1D16782861E1}" srcOrd="0" destOrd="0" presId="urn:microsoft.com/office/officeart/2005/8/layout/list1"/>
-    <dgm:cxn modelId="{1276F233-D347-B342-9B31-3D7B14EA7307}" srcId="{99A4E792-5671-174F-8348-0587008ED7B4}" destId="{B9240FE0-120A-5243-9CCA-9AEA35445369}" srcOrd="0" destOrd="0" parTransId="{E19B4119-9F10-944D-A883-8B196A5404FA}" sibTransId="{6173F41C-26D5-3D48-8C70-AF925B8E27D9}"/>
-    <dgm:cxn modelId="{73A6B435-2A95-1144-B45B-46C3899B37B9}" type="presOf" srcId="{BDD7BB8E-13FD-3644-878D-6E18CF5401C0}" destId="{753FC51C-FA6F-AD46-90DB-464A32436AD6}" srcOrd="0" destOrd="0" presId="urn:microsoft.com/office/officeart/2005/8/layout/list1"/>
-    <dgm:cxn modelId="{E013F13E-F6FA-E74A-B393-D94A50432BC2}" type="presOf" srcId="{499D0E72-F52F-E44A-82AF-0BA2F47D3458}" destId="{1D279D11-A7BC-4345-8179-DF5F6025BAEB}" srcOrd="1" destOrd="0" presId="urn:microsoft.com/office/officeart/2005/8/layout/list1"/>
-    <dgm:cxn modelId="{87D59F67-1841-D545-B8AB-A8CC3348E592}" type="presOf" srcId="{99A4E792-5671-174F-8348-0587008ED7B4}" destId="{96383F0D-BD30-014C-B6FE-AE96BD009901}" srcOrd="1" destOrd="0" presId="urn:microsoft.com/office/officeart/2005/8/layout/list1"/>
+    <dgm:cxn modelId="{C1FB9BA9-7FD7-6C4F-81AD-BD4F87B2E9F4}" type="presOf" srcId="{C16AAED6-CCDA-5A4A-9061-1D2B215B50C5}" destId="{1A2F9A87-1F16-4445-881A-B77AD42E9FE0}" srcOrd="0" destOrd="0" presId="urn:microsoft.com/office/officeart/2005/8/layout/list1"/>
     <dgm:cxn modelId="{38DD3B48-24FD-6D45-85D8-C341686D7275}" type="presOf" srcId="{CD598BF4-6E3C-9440-9C11-CDBA5E5DFA6B}" destId="{E8CFF892-45D5-B347-B71C-40A2C1FCB694}" srcOrd="0" destOrd="0" presId="urn:microsoft.com/office/officeart/2005/8/layout/list1"/>
     <dgm:cxn modelId="{38E1134F-F05D-764C-9723-FC1D9BE8D78F}" srcId="{CD598BF4-6E3C-9440-9C11-CDBA5E5DFA6B}" destId="{D9CDF1C7-C2CA-CD41-93B6-607D6D780C46}" srcOrd="1" destOrd="0" parTransId="{D4CD7FF2-4C48-7A42-A910-B11DA9E2D5A0}" sibTransId="{C9F85DB4-3D1E-B440-ADE5-DC328582AF44}"/>
-    <dgm:cxn modelId="{5C0E6871-C859-B243-B405-A915A076F470}" type="presOf" srcId="{499D0E72-F52F-E44A-82AF-0BA2F47D3458}" destId="{44D4E4A3-6762-434A-8474-8A32967FE1C9}" srcOrd="0" destOrd="0" presId="urn:microsoft.com/office/officeart/2005/8/layout/list1"/>
     <dgm:cxn modelId="{B9698452-DC3B-EA46-B030-1A4FF587794B}" srcId="{8FCE45D2-F0A9-1A4B-BF8B-945174DCE716}" destId="{99A4E792-5671-174F-8348-0587008ED7B4}" srcOrd="2" destOrd="0" parTransId="{71918D7C-B3E2-844B-AEB2-074E489666BA}" sibTransId="{D460320C-5F5C-D74A-974C-E8EB76C12A52}"/>
-    <dgm:cxn modelId="{DDE99B77-9B5B-9545-B630-668F9F47A08F}" type="presOf" srcId="{99A4E792-5671-174F-8348-0587008ED7B4}" destId="{F7D91141-858B-7547-844B-25488CC49E9E}" srcOrd="0" destOrd="0" presId="urn:microsoft.com/office/officeart/2005/8/layout/list1"/>
-    <dgm:cxn modelId="{0FA98F8D-B347-1A44-B470-D88DB2FD114F}" type="presOf" srcId="{B9240FE0-120A-5243-9CCA-9AEA35445369}" destId="{3B6C441B-4B2B-5240-BB2D-310A3397BF9F}" srcOrd="0" destOrd="0" presId="urn:microsoft.com/office/officeart/2005/8/layout/list1"/>
-    <dgm:cxn modelId="{32310B90-03A3-D14B-B46D-B5969894FE5B}" srcId="{8FCE45D2-F0A9-1A4B-BF8B-945174DCE716}" destId="{499D0E72-F52F-E44A-82AF-0BA2F47D3458}" srcOrd="0" destOrd="0" parTransId="{C862FBD1-CAC5-6E45-A386-F41BE81282D2}" sibTransId="{F2E6C5EF-F80A-7040-B03B-61D831F4D37D}"/>
-    <dgm:cxn modelId="{13EF6590-C422-684F-87A9-87A49E537739}" type="presOf" srcId="{F530450E-A2AA-AB49-AFC3-FF0D8596A616}" destId="{1A2F9A87-1F16-4445-881A-B77AD42E9FE0}" srcOrd="0" destOrd="1" presId="urn:microsoft.com/office/officeart/2005/8/layout/list1"/>
-    <dgm:cxn modelId="{C2209490-0DAB-9D45-A82F-94788CFECC9F}" type="presOf" srcId="{51D76542-12CA-974A-94C4-9371789A0738}" destId="{3B6C441B-4B2B-5240-BB2D-310A3397BF9F}" srcOrd="0" destOrd="1" presId="urn:microsoft.com/office/officeart/2005/8/layout/list1"/>
-    <dgm:cxn modelId="{7578229C-6986-844E-9ACE-3C83D771E6FA}" srcId="{CD598BF4-6E3C-9440-9C11-CDBA5E5DFA6B}" destId="{BDD7BB8E-13FD-3644-878D-6E18CF5401C0}" srcOrd="0" destOrd="0" parTransId="{516D02FF-C824-F54E-A458-BAF038684CFE}" sibTransId="{EECB9C93-8BF5-874B-B58A-FCD1835A595D}"/>
-    <dgm:cxn modelId="{C7E779A3-FCAB-5E4E-A2D6-9F5A506F431E}" srcId="{8FCE45D2-F0A9-1A4B-BF8B-945174DCE716}" destId="{CD598BF4-6E3C-9440-9C11-CDBA5E5DFA6B}" srcOrd="1" destOrd="0" parTransId="{47565AA5-9F84-8C41-AEA9-25E84E0E140D}" sibTransId="{985B58B5-FCAC-C04E-9C52-66C3042B7606}"/>
-    <dgm:cxn modelId="{C1FB9BA9-7FD7-6C4F-81AD-BD4F87B2E9F4}" type="presOf" srcId="{C16AAED6-CCDA-5A4A-9061-1D2B215B50C5}" destId="{1A2F9A87-1F16-4445-881A-B77AD42E9FE0}" srcOrd="0" destOrd="0" presId="urn:microsoft.com/office/officeart/2005/8/layout/list1"/>
-    <dgm:cxn modelId="{817647E3-FAE2-2C46-BA03-4C3DF2B7BF83}" srcId="{99A4E792-5671-174F-8348-0587008ED7B4}" destId="{51D76542-12CA-974A-94C4-9371789A0738}" srcOrd="1" destOrd="0" parTransId="{9EA0AF8D-BAEE-4F49-8034-2F370642E55F}" sibTransId="{4E0746A0-2CD4-0A4C-96A3-3A44DBAE7386}"/>
-    <dgm:cxn modelId="{82E37DEB-E9D4-604E-AA30-78DEC72E04D4}" type="presOf" srcId="{CD598BF4-6E3C-9440-9C11-CDBA5E5DFA6B}" destId="{50C9228A-BEF3-6740-9918-C3F1B67D0F2B}" srcOrd="1" destOrd="0" presId="urn:microsoft.com/office/officeart/2005/8/layout/list1"/>
-    <dgm:cxn modelId="{34BA3CF2-7460-6E4E-9543-22C42D6363F7}" srcId="{499D0E72-F52F-E44A-82AF-0BA2F47D3458}" destId="{F530450E-A2AA-AB49-AFC3-FF0D8596A616}" srcOrd="1" destOrd="0" parTransId="{AF707E42-5DB2-494E-8196-550B027470BF}" sibTransId="{8E1CAB0D-7D41-0A48-9F90-88756C1C300D}"/>
     <dgm:cxn modelId="{67B97854-F067-6148-9B1F-F8FD9E83CC6D}" type="presParOf" srcId="{5E9976D1-A195-7E41-95A3-1D16782861E1}" destId="{5F3A542B-13A1-F249-88B0-F7F72CB09AAE}" srcOrd="0" destOrd="0" presId="urn:microsoft.com/office/officeart/2005/8/layout/list1"/>
     <dgm:cxn modelId="{CF7D905F-4622-2F41-9B08-296B87E5A057}" type="presParOf" srcId="{5F3A542B-13A1-F249-88B0-F7F72CB09AAE}" destId="{44D4E4A3-6762-434A-8474-8A32967FE1C9}" srcOrd="0" destOrd="0" presId="urn:microsoft.com/office/officeart/2005/8/layout/list1"/>
     <dgm:cxn modelId="{172F8388-A7AD-B74A-8B6A-D31EAD0A4AD9}" type="presParOf" srcId="{5F3A542B-13A1-F249-88B0-F7F72CB09AAE}" destId="{1D279D11-A7BC-4345-8179-DF5F6025BAEB}" srcOrd="1" destOrd="0" presId="urn:microsoft.com/office/officeart/2005/8/layout/list1"/>
@@ -1940,7 +2010,7 @@
             <a:spcAft>
               <a:spcPct val="15000"/>
             </a:spcAft>
-            <a:buChar char="•"/>
+            <a:buChar char="••"/>
           </a:pPr>
           <a:r>
             <a:rPr lang="en-US" sz="1200" kern="1200" dirty="0">
@@ -1970,7 +2040,7 @@
             <a:spcAft>
               <a:spcPct val="15000"/>
             </a:spcAft>
-            <a:buChar char="•"/>
+            <a:buChar char="••"/>
           </a:pPr>
           <a:r>
             <a:rPr lang="en-US" sz="1200" kern="1200">
@@ -2061,7 +2131,7 @@
         </a:bodyPr>
         <a:lstStyle/>
         <a:p>
-          <a:pPr marL="0" lvl="0" indent="0" algn="l" defTabSz="533400">
+          <a:pPr lvl="0" algn="l" defTabSz="533400">
             <a:lnSpc>
               <a:spcPct val="90000"/>
             </a:lnSpc>
@@ -2156,7 +2226,7 @@
             <a:spcAft>
               <a:spcPct val="15000"/>
             </a:spcAft>
-            <a:buChar char="•"/>
+            <a:buChar char="••"/>
           </a:pPr>
           <a:r>
             <a:rPr lang="en-US" sz="1200" kern="1200" dirty="0">
@@ -2186,7 +2256,7 @@
             <a:spcAft>
               <a:spcPct val="15000"/>
             </a:spcAft>
-            <a:buChar char="•"/>
+            <a:buChar char="••"/>
           </a:pPr>
           <a:r>
             <a:rPr lang="en-US" sz="1200" kern="1200" dirty="0">
@@ -2262,7 +2332,7 @@
         </a:bodyPr>
         <a:lstStyle/>
         <a:p>
-          <a:pPr marL="0" lvl="0" indent="0" algn="l" defTabSz="533400">
+          <a:pPr lvl="0" algn="l" defTabSz="533400">
             <a:lnSpc>
               <a:spcPct val="90000"/>
             </a:lnSpc>
@@ -2349,7 +2419,7 @@
             <a:spcAft>
               <a:spcPct val="15000"/>
             </a:spcAft>
-            <a:buChar char="•"/>
+            <a:buChar char="••"/>
           </a:pPr>
           <a:r>
             <a:rPr lang="en-US" sz="1200" kern="1200">
@@ -2392,7 +2462,7 @@
             <a:spcAft>
               <a:spcPct val="15000"/>
             </a:spcAft>
-            <a:buChar char="•"/>
+            <a:buChar char="••"/>
           </a:pPr>
           <a:r>
             <a:rPr lang="en-US" sz="1200" kern="1200" dirty="0">
@@ -2470,7 +2540,7 @@
         </a:bodyPr>
         <a:lstStyle/>
         <a:p>
-          <a:pPr marL="0" lvl="0" indent="0" algn="l" defTabSz="533400">
+          <a:pPr lvl="0" algn="l" defTabSz="533400">
             <a:lnSpc>
               <a:spcPct val="90000"/>
             </a:lnSpc>
@@ -3846,7 +3916,7 @@
             <a:fld id="{999DDEF9-8F79-3F4A-8C1A-CB2E900DCD92}" type="datetimeFigureOut">
               <a:rPr lang="en-US" smtClean="0"/>
               <a:pPr/>
-              <a:t>5/21/2020</a:t>
+              <a:t>5/4/2021</a:t>
             </a:fld>
             <a:endParaRPr lang="en-US"/>
           </a:p>
@@ -21298,7 +21368,15 @@
           <a:p>
             <a:r>
               <a:rPr lang="en-US" dirty="0"/>
-              <a:t>ZJU 2020</a:t>
+              <a:t>ZJU </a:t>
+            </a:r>
+            <a:r>
+              <a:rPr lang="en-US" dirty="0" smtClean="0"/>
+              <a:t>202</a:t>
+            </a:r>
+            <a:r>
+              <a:rPr lang="en-SE" smtClean="0"/>
+              <a:t>1</a:t>
             </a:r>
             <a:endParaRPr lang="en-SE" dirty="0"/>
           </a:p>

--- a/InfoSec/PPTs/L9-CH08-Intrusion Detection.pptx
+++ b/InfoSec/PPTs/L9-CH08-Intrusion Detection.pptx
@@ -3846,7 +3846,7 @@
             <a:fld id="{999DDEF9-8F79-3F4A-8C1A-CB2E900DCD92}" type="datetimeFigureOut">
               <a:rPr lang="en-US" smtClean="0"/>
               <a:pPr/>
-              <a:t>5/21/2020</a:t>
+              <a:t>5/4/2021</a:t>
             </a:fld>
             <a:endParaRPr lang="en-US"/>
           </a:p>
@@ -21297,8 +21297,8 @@
           <a:lstStyle/>
           <a:p>
             <a:r>
-              <a:rPr lang="en-US" dirty="0"/>
-              <a:t>ZJU 2020</a:t>
+              <a:rPr lang="en-US"/>
+              <a:t>ZJU 2021</a:t>
             </a:r>
             <a:endParaRPr lang="en-SE" dirty="0"/>
           </a:p>

--- a/InfoSec/PPTs/L9-CH08-Intrusion Detection.pptx
+++ b/InfoSec/PPTs/L9-CH08-Intrusion Detection.pptx
@@ -3846,7 +3846,7 @@
             <a:fld id="{999DDEF9-8F79-3F4A-8C1A-CB2E900DCD92}" type="datetimeFigureOut">
               <a:rPr lang="en-US" smtClean="0"/>
               <a:pPr/>
-              <a:t>5/4/2021</a:t>
+              <a:t>3/24/2022</a:t>
             </a:fld>
             <a:endParaRPr lang="en-US"/>
           </a:p>
@@ -21297,10 +21297,17 @@
           <a:lstStyle/>
           <a:p>
             <a:r>
-              <a:rPr lang="en-US"/>
-              <a:t>ZJU 2021</a:t>
-            </a:r>
-            <a:endParaRPr lang="en-SE" dirty="0"/>
+              <a:rPr lang="en-US" altLang="zh-CN" kern="0" dirty="0"/>
+              <a:t>Zonghua Gu</a:t>
+            </a:r>
+            <a:endParaRPr lang="en-US" kern="0" dirty="0"/>
+          </a:p>
+          <a:p>
+            <a:r>
+              <a:rPr lang="en-US" kern="0"/>
+              <a:t>2018, ZJU</a:t>
+            </a:r>
+            <a:endParaRPr lang="en-SE" kern="0" dirty="0"/>
           </a:p>
         </p:txBody>
       </p:sp>

--- a/InfoSec/PPTs/L9-CH08-Intrusion Detection.pptx
+++ b/InfoSec/PPTs/L9-CH08-Intrusion Detection.pptx
@@ -3846,7 +3846,7 @@
             <a:fld id="{999DDEF9-8F79-3F4A-8C1A-CB2E900DCD92}" type="datetimeFigureOut">
               <a:rPr lang="en-US" smtClean="0"/>
               <a:pPr/>
-              <a:t>3/24/2022</a:t>
+              <a:t>3/27/2022</a:t>
             </a:fld>
             <a:endParaRPr lang="en-US"/>
           </a:p>
@@ -21305,7 +21305,11 @@
           <a:p>
             <a:r>
               <a:rPr lang="en-US" kern="0"/>
-              <a:t>2018, ZJU</a:t>
+              <a:t>2017, </a:t>
+            </a:r>
+            <a:r>
+              <a:rPr lang="en-US" kern="0" dirty="0"/>
+              <a:t>ZJU</a:t>
             </a:r>
             <a:endParaRPr lang="en-SE" kern="0" dirty="0"/>
           </a:p>
